--- a/Tableau_&_PowerBI/INFS 776 - Data Visualization/Assignments/Project Dashboard 2 - Gavin Gunawardena.pptx
+++ b/Tableau_&_PowerBI/INFS 776 - Data Visualization/Assignments/Project Dashboard 2 - Gavin Gunawardena.pptx
@@ -3331,7 +3331,7 @@
           <p:cNvPr id="2" name="slide2" descr="Dashboard 2">
             <a:extLst>
               <a:ext uri="{FF2B5EF4-FFF2-40B4-BE49-F238E27FC236}">
-                <a16:creationId xmlns:a16="http://schemas.microsoft.com/office/drawing/2014/main" id="{AF936D0F-1121-497F-89FA-E287512E5583}"/>
+                <a16:creationId xmlns:a16="http://schemas.microsoft.com/office/drawing/2014/main" id="{039AD2B7-071C-46EF-B9F6-CBD61CE69120}"/>
               </a:ext>
             </a:extLst>
           </p:cNvPr>
